--- a/03-configuration.pptx
+++ b/03-configuration.pptx
@@ -258,7 +258,7 @@
               <a:rPr lang="en-US" smtClean="0">
                 <a:latin typeface="Segoe UI" pitchFamily="34" charset="0"/>
               </a:rPr>
-              <a:t>4/2/19 5:49 PM</a:t>
+              <a:t>3/10/20 12:12 PM</a:t>
             </a:fld>
             <a:endParaRPr lang="en-US" dirty="0">
               <a:latin typeface="Segoe UI" pitchFamily="34" charset="0"/>
@@ -555,7 +555,7 @@
           <a:p>
             <a:fld id="{D18B56EA-E28F-4F92-9F16-7A6F2501B303}" type="datetime8">
               <a:rPr lang="en-US" smtClean="0"/>
-              <a:t>4/2/19 5:49 PM</a:t>
+              <a:t>3/10/20 12:12 PM</a:t>
             </a:fld>
             <a:endParaRPr lang="en-US" dirty="0"/>
           </a:p>
@@ -938,7 +938,7 @@
           <a:p>
             <a:fld id="{D18B56EA-E28F-4F92-9F16-7A6F2501B303}" type="datetime8">
               <a:rPr lang="en-US" smtClean="0"/>
-              <a:t>4/2/19 5:49 PM</a:t>
+              <a:t>3/10/20 12:12 PM</a:t>
             </a:fld>
             <a:endParaRPr lang="en-US" dirty="0"/>
           </a:p>
@@ -1025,7 +1025,13 @@
           <a:bodyPr/>
           <a:lstStyle/>
           <a:p>
-            <a:endParaRPr lang="en-US"/>
+            <a:r>
+              <a:rPr lang="en-US" dirty="0"/>
+              <a:t>In this unit, you'll learn how to configure your SharePoint Framework client-side web part's settings when its used as a tab in Microsoft Teams.</a:t>
+            </a:r>
+          </a:p>
+          <a:p>
+            <a:endParaRPr lang="en-US" dirty="0"/>
           </a:p>
         </p:txBody>
       </p:sp>
@@ -1119,7 +1125,7 @@
           <a:p>
             <a:fld id="{D18B56EA-E28F-4F92-9F16-7A6F2501B303}" type="datetime8">
               <a:rPr lang="en-US" smtClean="0"/>
-              <a:t>4/2/19 5:49 PM</a:t>
+              <a:t>3/10/20 12:17 PM</a:t>
             </a:fld>
             <a:endParaRPr lang="en-US" dirty="0"/>
           </a:p>
@@ -1206,6 +1212,21 @@
           <a:bodyPr/>
           <a:lstStyle/>
           <a:p>
+            <a:r>
+              <a:rPr lang="en-US" dirty="0"/>
+              <a:t>SharePoint client-side web parts can have public properties. Developers can expose these properties to form controls within the SharePoint property pane for users to edit.</a:t>
+            </a:r>
+          </a:p>
+          <a:p>
+            <a:endParaRPr lang="en-US" dirty="0"/>
+          </a:p>
+          <a:p>
+            <a:r>
+              <a:rPr lang="en-US" dirty="0"/>
+              <a:t>The property pane is only available when the page is in edit mode and only after a user has selected the edit control on the web part. The current user must also have access to edit the page in order to modify the settings on the web part.</a:t>
+            </a:r>
+          </a:p>
+          <a:p>
             <a:endParaRPr lang="en-US" dirty="0"/>
           </a:p>
         </p:txBody>
@@ -1368,7 +1389,31 @@
           <a:bodyPr/>
           <a:lstStyle/>
           <a:p>
-            <a:endParaRPr lang="en-US"/>
+            <a:r>
+              <a:rPr lang="en-US" dirty="0"/>
+              <a:t>The properties, called *settings*, on a tab in Microsoft Teams can also be modified by a user. To modify a tab's settings, select the tab's context menu and select the **Settings** option.</a:t>
+            </a:r>
+          </a:p>
+          <a:p>
+            <a:endParaRPr lang="en-US" dirty="0"/>
+          </a:p>
+          <a:p>
+            <a:r>
+              <a:rPr lang="en-US" dirty="0"/>
+              <a:t>When the **Settings** menu option is selected, Microsoft Teams tabs launch a dialog that the tab that the developer implements.</a:t>
+            </a:r>
+          </a:p>
+          <a:p>
+            <a:endParaRPr lang="en-US" dirty="0"/>
+          </a:p>
+          <a:p>
+            <a:r>
+              <a:rPr lang="en-US" dirty="0"/>
+              <a:t>However, when a web part is used as a Microsoft Teams tab, the tab is loading a SharePoint page that's hosting the client-side web part. When the **Settings** menu item is selected in teams, instead of opening a dialog, Microsoft Teams notifies SharePoint the page is now in edit mode. SharePoint's native property pane experience is then used to display edit the web part's public properties:</a:t>
+            </a:r>
+          </a:p>
+          <a:p>
+            <a:endParaRPr lang="en-US" dirty="0"/>
           </a:p>
         </p:txBody>
       </p:sp>
@@ -1379,7 +1424,7 @@
             <a:spLocks noGrp="1"/>
           </p:cNvSpPr>
           <p:nvPr>
-            <p:ph type="hdr" sz="quarter" idx="10"/>
+            <p:ph type="hdr" sz="quarter"/>
           </p:nvPr>
         </p:nvSpPr>
         <p:spPr/>
@@ -1387,6 +1432,10 @@
           <a:bodyPr/>
           <a:lstStyle/>
           <a:p>
+            <a:r>
+              <a:rPr lang="en-US"/>
+              <a:t>SharePoint Framework</a:t>
+            </a:r>
             <a:endParaRPr lang="en-US" dirty="0"/>
           </a:p>
         </p:txBody>
@@ -1398,7 +1447,7 @@
             <a:spLocks noGrp="1"/>
           </p:cNvSpPr>
           <p:nvPr>
-            <p:ph type="ftr" sz="quarter" idx="11"/>
+            <p:ph type="ftr" sz="quarter" idx="4"/>
           </p:nvPr>
         </p:nvSpPr>
         <p:spPr/>
@@ -1452,7 +1501,7 @@
             <a:spLocks noGrp="1"/>
           </p:cNvSpPr>
           <p:nvPr>
-            <p:ph type="dt" idx="12"/>
+            <p:ph type="dt" idx="1"/>
           </p:nvPr>
         </p:nvSpPr>
         <p:spPr/>
@@ -1462,7 +1511,7 @@
           <a:p>
             <a:fld id="{D18B56EA-E28F-4F92-9F16-7A6F2501B303}" type="datetime8">
               <a:rPr lang="en-US" smtClean="0"/>
-              <a:t>4/2/19 5:49 PM</a:t>
+              <a:t>3/10/20 12:30 PM</a:t>
             </a:fld>
             <a:endParaRPr lang="en-US" dirty="0"/>
           </a:p>
@@ -1475,7 +1524,7 @@
             <a:spLocks noGrp="1"/>
           </p:cNvSpPr>
           <p:nvPr>
-            <p:ph type="sldNum" sz="quarter" idx="13"/>
+            <p:ph type="sldNum" sz="quarter" idx="5"/>
           </p:nvPr>
         </p:nvSpPr>
         <p:spPr/>
@@ -1486,7 +1535,7 @@
             <a:fld id="{B4008EB6-D09E-4580-8CD6-DDB14511944F}" type="slidenum">
               <a:rPr lang="en-US" smtClean="0"/>
               <a:pPr/>
-              <a:t>6</a:t>
+              <a:t>4</a:t>
             </a:fld>
             <a:endParaRPr lang="en-US" dirty="0"/>
           </a:p>
@@ -1495,7 +1544,7 @@
     </p:spTree>
     <p:extLst>
       <p:ext uri="{BB962C8B-B14F-4D97-AF65-F5344CB8AC3E}">
-        <p14:creationId xmlns:p14="http://schemas.microsoft.com/office/powerpoint/2010/main" val="3738293785"/>
+        <p14:creationId xmlns:p14="http://schemas.microsoft.com/office/powerpoint/2010/main" val="3163723453"/>
       </p:ext>
     </p:extLst>
   </p:cSld>
@@ -1549,6 +1598,56 @@
           <a:bodyPr/>
           <a:lstStyle/>
           <a:p>
+            <a:r>
+              <a:rPr lang="en-US" dirty="0"/>
+              <a:t>Users who have the necessary permissions can always edit SharePoint Framework client-side web parts, including immediately after they are added to the page and any point in the future.</a:t>
+            </a:r>
+          </a:p>
+          <a:p>
+            <a:endParaRPr lang="en-US" dirty="0"/>
+          </a:p>
+          <a:p>
+            <a:r>
+              <a:rPr lang="en-US" dirty="0"/>
+              <a:t>Microsoft Teams tabs differ from web parts in that the settings experience is displayed once when the tab is added to a channel and optionally in the future. This enables someone who has access to add a tab to a channel to modify the settings, but can optionally block tab users from modifying the settings at a later date.</a:t>
+            </a:r>
+          </a:p>
+          <a:p>
+            <a:endParaRPr lang="en-US" dirty="0"/>
+          </a:p>
+          <a:p>
+            <a:r>
+              <a:rPr lang="en-US" dirty="0"/>
+              <a:t>Developers can control this setting for the tab in the Microsoft Teams app manifest file.</a:t>
+            </a:r>
+          </a:p>
+          <a:p>
+            <a:endParaRPr lang="en-US" dirty="0"/>
+          </a:p>
+          <a:p>
+            <a:r>
+              <a:rPr lang="en-US" dirty="0"/>
+              <a:t>The tab's `</a:t>
+            </a:r>
+            <a:r>
+              <a:rPr lang="en-US" dirty="0" err="1"/>
+              <a:t>canUpdateConfiguration</a:t>
+            </a:r>
+            <a:r>
+              <a:rPr lang="en-US" dirty="0"/>
+              <a:t>` property is set to `true` by default, but you can override this and set it to `false`.</a:t>
+            </a:r>
+          </a:p>
+          <a:p>
+            <a:endParaRPr lang="en-US" dirty="0"/>
+          </a:p>
+          <a:p>
+            <a:r>
+              <a:rPr lang="en-US" dirty="0"/>
+              <a:t>When set to `false`, the settings page is only displayed immediately before the tab is added to the channel. In this scenario, the **Settings** button is not present on the tab's context menu:</a:t>
+            </a:r>
+          </a:p>
+          <a:p>
             <a:endParaRPr lang="en-US" dirty="0"/>
           </a:p>
         </p:txBody>
@@ -1560,7 +1659,7 @@
             <a:spLocks noGrp="1"/>
           </p:cNvSpPr>
           <p:nvPr>
-            <p:ph type="hdr" sz="quarter" idx="10"/>
+            <p:ph type="hdr" sz="quarter"/>
           </p:nvPr>
         </p:nvSpPr>
         <p:spPr/>
@@ -1568,6 +1667,10 @@
           <a:bodyPr/>
           <a:lstStyle/>
           <a:p>
+            <a:r>
+              <a:rPr lang="en-US"/>
+              <a:t>SharePoint Framework</a:t>
+            </a:r>
             <a:endParaRPr lang="en-US" dirty="0"/>
           </a:p>
         </p:txBody>
@@ -1579,7 +1682,7 @@
             <a:spLocks noGrp="1"/>
           </p:cNvSpPr>
           <p:nvPr>
-            <p:ph type="ftr" sz="quarter" idx="11"/>
+            <p:ph type="ftr" sz="quarter" idx="4"/>
           </p:nvPr>
         </p:nvSpPr>
         <p:spPr/>
@@ -1633,7 +1736,7 @@
             <a:spLocks noGrp="1"/>
           </p:cNvSpPr>
           <p:nvPr>
-            <p:ph type="dt" idx="12"/>
+            <p:ph type="dt" idx="1"/>
           </p:nvPr>
         </p:nvSpPr>
         <p:spPr/>
@@ -1643,7 +1746,7 @@
           <a:p>
             <a:fld id="{D18B56EA-E28F-4F92-9F16-7A6F2501B303}" type="datetime8">
               <a:rPr lang="en-US" smtClean="0"/>
-              <a:t>4/2/19 5:49 PM</a:t>
+              <a:t>3/10/20 12:35 PM</a:t>
             </a:fld>
             <a:endParaRPr lang="en-US" dirty="0"/>
           </a:p>
@@ -1656,7 +1759,7 @@
             <a:spLocks noGrp="1"/>
           </p:cNvSpPr>
           <p:nvPr>
-            <p:ph type="sldNum" sz="quarter" idx="13"/>
+            <p:ph type="sldNum" sz="quarter" idx="5"/>
           </p:nvPr>
         </p:nvSpPr>
         <p:spPr/>
@@ -1667,7 +1770,7 @@
             <a:fld id="{B4008EB6-D09E-4580-8CD6-DDB14511944F}" type="slidenum">
               <a:rPr lang="en-US" smtClean="0"/>
               <a:pPr/>
-              <a:t>8</a:t>
+              <a:t>5</a:t>
             </a:fld>
             <a:endParaRPr lang="en-US" dirty="0"/>
           </a:p>
@@ -1676,7 +1779,7 @@
     </p:spTree>
     <p:extLst>
       <p:ext uri="{BB962C8B-B14F-4D97-AF65-F5344CB8AC3E}">
-        <p14:creationId xmlns:p14="http://schemas.microsoft.com/office/powerpoint/2010/main" val="3282806226"/>
+        <p14:creationId xmlns:p14="http://schemas.microsoft.com/office/powerpoint/2010/main" val="2663748662"/>
       </p:ext>
     </p:extLst>
   </p:cSld>
@@ -1824,7 +1927,7 @@
           <a:p>
             <a:fld id="{D18B56EA-E28F-4F92-9F16-7A6F2501B303}" type="datetime8">
               <a:rPr lang="en-US" smtClean="0"/>
-              <a:t>4/2/19 5:49 PM</a:t>
+              <a:t>3/10/20 12:12 PM</a:t>
             </a:fld>
             <a:endParaRPr lang="en-US" dirty="0"/>
           </a:p>
@@ -1848,7 +1951,7 @@
             <a:fld id="{B4008EB6-D09E-4580-8CD6-DDB14511944F}" type="slidenum">
               <a:rPr lang="en-US" smtClean="0"/>
               <a:pPr/>
-              <a:t>9</a:t>
+              <a:t>6</a:t>
             </a:fld>
             <a:endParaRPr lang="en-US" dirty="0"/>
           </a:p>
@@ -1857,7 +1960,7 @@
     </p:spTree>
     <p:extLst>
       <p:ext uri="{BB962C8B-B14F-4D97-AF65-F5344CB8AC3E}">
-        <p14:creationId xmlns:p14="http://schemas.microsoft.com/office/powerpoint/2010/main" val="2510823477"/>
+        <p14:creationId xmlns:p14="http://schemas.microsoft.com/office/powerpoint/2010/main" val="3738293785"/>
       </p:ext>
     </p:extLst>
   </p:cSld>
@@ -1911,7 +2014,7 @@
           <a:bodyPr/>
           <a:lstStyle/>
           <a:p>
-            <a:endParaRPr lang="en-US"/>
+            <a:endParaRPr lang="en-US" dirty="0"/>
           </a:p>
         </p:txBody>
       </p:sp>
@@ -2005,7 +2108,369 @@
           <a:p>
             <a:fld id="{D18B56EA-E28F-4F92-9F16-7A6F2501B303}" type="datetime8">
               <a:rPr lang="en-US" smtClean="0"/>
-              <a:t>4/2/19 5:49 PM</a:t>
+              <a:t>3/10/20 12:12 PM</a:t>
+            </a:fld>
+            <a:endParaRPr lang="en-US" dirty="0"/>
+          </a:p>
+        </p:txBody>
+      </p:sp>
+      <p:sp>
+        <p:nvSpPr>
+          <p:cNvPr id="7" name="Slide Number Placeholder 6"/>
+          <p:cNvSpPr>
+            <a:spLocks noGrp="1"/>
+          </p:cNvSpPr>
+          <p:nvPr>
+            <p:ph type="sldNum" sz="quarter" idx="13"/>
+          </p:nvPr>
+        </p:nvSpPr>
+        <p:spPr/>
+        <p:txBody>
+          <a:bodyPr/>
+          <a:lstStyle/>
+          <a:p>
+            <a:fld id="{B4008EB6-D09E-4580-8CD6-DDB14511944F}" type="slidenum">
+              <a:rPr lang="en-US" smtClean="0"/>
+              <a:pPr/>
+              <a:t>8</a:t>
+            </a:fld>
+            <a:endParaRPr lang="en-US" dirty="0"/>
+          </a:p>
+        </p:txBody>
+      </p:sp>
+    </p:spTree>
+    <p:extLst>
+      <p:ext uri="{BB962C8B-B14F-4D97-AF65-F5344CB8AC3E}">
+        <p14:creationId xmlns:p14="http://schemas.microsoft.com/office/powerpoint/2010/main" val="3282806226"/>
+      </p:ext>
+    </p:extLst>
+  </p:cSld>
+  <p:clrMapOvr>
+    <a:masterClrMapping/>
+  </p:clrMapOvr>
+</p:notes>
+</file>
+
+<file path=ppt/notesSlides/notesSlide8.xml><?xml version="1.0" encoding="utf-8"?>
+<p:notes xmlns:a="http://schemas.openxmlformats.org/drawingml/2006/main" xmlns:r="http://schemas.openxmlformats.org/officeDocument/2006/relationships" xmlns:p="http://schemas.openxmlformats.org/presentationml/2006/main">
+  <p:cSld>
+    <p:spTree>
+      <p:nvGrpSpPr>
+        <p:cNvPr id="1" name=""/>
+        <p:cNvGrpSpPr/>
+        <p:nvPr/>
+      </p:nvGrpSpPr>
+      <p:grpSpPr>
+        <a:xfrm>
+          <a:off x="0" y="0"/>
+          <a:ext cx="0" cy="0"/>
+          <a:chOff x="0" y="0"/>
+          <a:chExt cx="0" cy="0"/>
+        </a:xfrm>
+      </p:grpSpPr>
+      <p:sp>
+        <p:nvSpPr>
+          <p:cNvPr id="2" name="Slide Image Placeholder 1"/>
+          <p:cNvSpPr>
+            <a:spLocks noGrp="1" noRot="1" noChangeAspect="1"/>
+          </p:cNvSpPr>
+          <p:nvPr>
+            <p:ph type="sldImg"/>
+          </p:nvPr>
+        </p:nvSpPr>
+        <p:spPr/>
+      </p:sp>
+      <p:sp>
+        <p:nvSpPr>
+          <p:cNvPr id="3" name="Notes Placeholder 2"/>
+          <p:cNvSpPr>
+            <a:spLocks noGrp="1"/>
+          </p:cNvSpPr>
+          <p:nvPr>
+            <p:ph type="body" idx="1"/>
+          </p:nvPr>
+        </p:nvSpPr>
+        <p:spPr/>
+        <p:txBody>
+          <a:bodyPr/>
+          <a:lstStyle/>
+          <a:p>
+            <a:endParaRPr lang="en-US"/>
+          </a:p>
+        </p:txBody>
+      </p:sp>
+      <p:sp>
+        <p:nvSpPr>
+          <p:cNvPr id="4" name="Header Placeholder 3"/>
+          <p:cNvSpPr>
+            <a:spLocks noGrp="1"/>
+          </p:cNvSpPr>
+          <p:nvPr>
+            <p:ph type="hdr" sz="quarter" idx="10"/>
+          </p:nvPr>
+        </p:nvSpPr>
+        <p:spPr/>
+        <p:txBody>
+          <a:bodyPr/>
+          <a:lstStyle/>
+          <a:p>
+            <a:endParaRPr lang="en-US" dirty="0"/>
+          </a:p>
+        </p:txBody>
+      </p:sp>
+      <p:sp>
+        <p:nvSpPr>
+          <p:cNvPr id="5" name="Footer Placeholder 4"/>
+          <p:cNvSpPr>
+            <a:spLocks noGrp="1"/>
+          </p:cNvSpPr>
+          <p:nvPr>
+            <p:ph type="ftr" sz="quarter" idx="11"/>
+          </p:nvPr>
+        </p:nvSpPr>
+        <p:spPr/>
+        <p:txBody>
+          <a:bodyPr/>
+          <a:lstStyle/>
+          <a:p>
+            <a:pPr defTabSz="914099" eaLnBrk="0" hangingPunct="0"/>
+            <a:r>
+              <a:rPr lang="en-US" sz="400">
+                <a:gradFill>
+                  <a:gsLst>
+                    <a:gs pos="0">
+                      <a:prstClr val="black"/>
+                    </a:gs>
+                    <a:gs pos="100000">
+                      <a:prstClr val="black"/>
+                    </a:gs>
+                  </a:gsLst>
+                  <a:lin ang="5400000" scaled="0"/>
+                </a:gradFill>
+                <a:latin typeface="Segoe UI" pitchFamily="34" charset="0"/>
+                <a:ea typeface="Segoe UI" pitchFamily="34" charset="0"/>
+                <a:cs typeface="Segoe UI" pitchFamily="34" charset="0"/>
+              </a:rPr>
+              <a:t>© Microsoft Corporation. All rights reserved. MICROSOFT MAKES NO WARRANTIES, EXPRESS, IMPLIED OR STATUTORY, AS TO THE INFORMATION IN THIS PRESENTATION.</a:t>
+            </a:r>
+            <a:endParaRPr lang="en-US" sz="400" dirty="0">
+              <a:gradFill>
+                <a:gsLst>
+                  <a:gs pos="0">
+                    <a:prstClr val="black"/>
+                  </a:gs>
+                  <a:gs pos="100000">
+                    <a:prstClr val="black"/>
+                  </a:gs>
+                </a:gsLst>
+                <a:lin ang="5400000" scaled="0"/>
+              </a:gradFill>
+              <a:latin typeface="Segoe UI" pitchFamily="34" charset="0"/>
+              <a:ea typeface="Segoe UI" pitchFamily="34" charset="0"/>
+              <a:cs typeface="Segoe UI" pitchFamily="34" charset="0"/>
+            </a:endParaRPr>
+          </a:p>
+        </p:txBody>
+      </p:sp>
+      <p:sp>
+        <p:nvSpPr>
+          <p:cNvPr id="6" name="Date Placeholder 5"/>
+          <p:cNvSpPr>
+            <a:spLocks noGrp="1"/>
+          </p:cNvSpPr>
+          <p:nvPr>
+            <p:ph type="dt" idx="12"/>
+          </p:nvPr>
+        </p:nvSpPr>
+        <p:spPr/>
+        <p:txBody>
+          <a:bodyPr/>
+          <a:lstStyle/>
+          <a:p>
+            <a:fld id="{D18B56EA-E28F-4F92-9F16-7A6F2501B303}" type="datetime8">
+              <a:rPr lang="en-US" smtClean="0"/>
+              <a:t>3/10/20 12:12 PM</a:t>
+            </a:fld>
+            <a:endParaRPr lang="en-US" dirty="0"/>
+          </a:p>
+        </p:txBody>
+      </p:sp>
+      <p:sp>
+        <p:nvSpPr>
+          <p:cNvPr id="7" name="Slide Number Placeholder 6"/>
+          <p:cNvSpPr>
+            <a:spLocks noGrp="1"/>
+          </p:cNvSpPr>
+          <p:nvPr>
+            <p:ph type="sldNum" sz="quarter" idx="13"/>
+          </p:nvPr>
+        </p:nvSpPr>
+        <p:spPr/>
+        <p:txBody>
+          <a:bodyPr/>
+          <a:lstStyle/>
+          <a:p>
+            <a:fld id="{B4008EB6-D09E-4580-8CD6-DDB14511944F}" type="slidenum">
+              <a:rPr lang="en-US" smtClean="0"/>
+              <a:pPr/>
+              <a:t>9</a:t>
+            </a:fld>
+            <a:endParaRPr lang="en-US" dirty="0"/>
+          </a:p>
+        </p:txBody>
+      </p:sp>
+    </p:spTree>
+    <p:extLst>
+      <p:ext uri="{BB962C8B-B14F-4D97-AF65-F5344CB8AC3E}">
+        <p14:creationId xmlns:p14="http://schemas.microsoft.com/office/powerpoint/2010/main" val="2510823477"/>
+      </p:ext>
+    </p:extLst>
+  </p:cSld>
+  <p:clrMapOvr>
+    <a:masterClrMapping/>
+  </p:clrMapOvr>
+</p:notes>
+</file>
+
+<file path=ppt/notesSlides/notesSlide9.xml><?xml version="1.0" encoding="utf-8"?>
+<p:notes xmlns:a="http://schemas.openxmlformats.org/drawingml/2006/main" xmlns:r="http://schemas.openxmlformats.org/officeDocument/2006/relationships" xmlns:p="http://schemas.openxmlformats.org/presentationml/2006/main">
+  <p:cSld>
+    <p:spTree>
+      <p:nvGrpSpPr>
+        <p:cNvPr id="1" name=""/>
+        <p:cNvGrpSpPr/>
+        <p:nvPr/>
+      </p:nvGrpSpPr>
+      <p:grpSpPr>
+        <a:xfrm>
+          <a:off x="0" y="0"/>
+          <a:ext cx="0" cy="0"/>
+          <a:chOff x="0" y="0"/>
+          <a:chExt cx="0" cy="0"/>
+        </a:xfrm>
+      </p:grpSpPr>
+      <p:sp>
+        <p:nvSpPr>
+          <p:cNvPr id="2" name="Slide Image Placeholder 1"/>
+          <p:cNvSpPr>
+            <a:spLocks noGrp="1" noRot="1" noChangeAspect="1"/>
+          </p:cNvSpPr>
+          <p:nvPr>
+            <p:ph type="sldImg"/>
+          </p:nvPr>
+        </p:nvSpPr>
+        <p:spPr/>
+      </p:sp>
+      <p:sp>
+        <p:nvSpPr>
+          <p:cNvPr id="3" name="Notes Placeholder 2"/>
+          <p:cNvSpPr>
+            <a:spLocks noGrp="1"/>
+          </p:cNvSpPr>
+          <p:nvPr>
+            <p:ph type="body" idx="1"/>
+          </p:nvPr>
+        </p:nvSpPr>
+        <p:spPr/>
+        <p:txBody>
+          <a:bodyPr/>
+          <a:lstStyle/>
+          <a:p>
+            <a:endParaRPr lang="en-US"/>
+          </a:p>
+        </p:txBody>
+      </p:sp>
+      <p:sp>
+        <p:nvSpPr>
+          <p:cNvPr id="4" name="Header Placeholder 3"/>
+          <p:cNvSpPr>
+            <a:spLocks noGrp="1"/>
+          </p:cNvSpPr>
+          <p:nvPr>
+            <p:ph type="hdr" sz="quarter" idx="10"/>
+          </p:nvPr>
+        </p:nvSpPr>
+        <p:spPr/>
+        <p:txBody>
+          <a:bodyPr/>
+          <a:lstStyle/>
+          <a:p>
+            <a:endParaRPr lang="en-US" dirty="0"/>
+          </a:p>
+        </p:txBody>
+      </p:sp>
+      <p:sp>
+        <p:nvSpPr>
+          <p:cNvPr id="5" name="Footer Placeholder 4"/>
+          <p:cNvSpPr>
+            <a:spLocks noGrp="1"/>
+          </p:cNvSpPr>
+          <p:nvPr>
+            <p:ph type="ftr" sz="quarter" idx="11"/>
+          </p:nvPr>
+        </p:nvSpPr>
+        <p:spPr/>
+        <p:txBody>
+          <a:bodyPr/>
+          <a:lstStyle/>
+          <a:p>
+            <a:pPr defTabSz="914099" eaLnBrk="0" hangingPunct="0"/>
+            <a:r>
+              <a:rPr lang="en-US" sz="400">
+                <a:gradFill>
+                  <a:gsLst>
+                    <a:gs pos="0">
+                      <a:prstClr val="black"/>
+                    </a:gs>
+                    <a:gs pos="100000">
+                      <a:prstClr val="black"/>
+                    </a:gs>
+                  </a:gsLst>
+                  <a:lin ang="5400000" scaled="0"/>
+                </a:gradFill>
+                <a:latin typeface="Segoe UI" pitchFamily="34" charset="0"/>
+                <a:ea typeface="Segoe UI" pitchFamily="34" charset="0"/>
+                <a:cs typeface="Segoe UI" pitchFamily="34" charset="0"/>
+              </a:rPr>
+              <a:t>© Microsoft Corporation. All rights reserved. MICROSOFT MAKES NO WARRANTIES, EXPRESS, IMPLIED OR STATUTORY, AS TO THE INFORMATION IN THIS PRESENTATION.</a:t>
+            </a:r>
+            <a:endParaRPr lang="en-US" sz="400" dirty="0">
+              <a:gradFill>
+                <a:gsLst>
+                  <a:gs pos="0">
+                    <a:prstClr val="black"/>
+                  </a:gs>
+                  <a:gs pos="100000">
+                    <a:prstClr val="black"/>
+                  </a:gs>
+                </a:gsLst>
+                <a:lin ang="5400000" scaled="0"/>
+              </a:gradFill>
+              <a:latin typeface="Segoe UI" pitchFamily="34" charset="0"/>
+              <a:ea typeface="Segoe UI" pitchFamily="34" charset="0"/>
+              <a:cs typeface="Segoe UI" pitchFamily="34" charset="0"/>
+            </a:endParaRPr>
+          </a:p>
+        </p:txBody>
+      </p:sp>
+      <p:sp>
+        <p:nvSpPr>
+          <p:cNvPr id="6" name="Date Placeholder 5"/>
+          <p:cNvSpPr>
+            <a:spLocks noGrp="1"/>
+          </p:cNvSpPr>
+          <p:nvPr>
+            <p:ph type="dt" idx="12"/>
+          </p:nvPr>
+        </p:nvSpPr>
+        <p:spPr/>
+        <p:txBody>
+          <a:bodyPr/>
+          <a:lstStyle/>
+          <a:p>
+            <a:fld id="{D18B56EA-E28F-4F92-9F16-7A6F2501B303}" type="datetime8">
+              <a:rPr lang="en-US" smtClean="0"/>
+              <a:t>3/10/20 12:12 PM</a:t>
             </a:fld>
             <a:endParaRPr lang="en-US" dirty="0"/>
           </a:p>
@@ -14573,7 +15038,7 @@
       </a:lvl9pPr>
     </p:otherStyle>
   </p:txStyles>
-  <p:extLst mod="1">
+  <p:extLst>
     <p:ext uri="{27BBF7A9-308A-43DC-89C8-2F10F3537804}">
       <p15:sldGuideLst xmlns:p15="http://schemas.microsoft.com/office/powerpoint/2012/main">
         <p15:guide id="3" pos="1381" userDrawn="1">
@@ -15365,7 +15830,7 @@
           <p:nvPr/>
         </p:nvPicPr>
         <p:blipFill>
-          <a:blip r:embed="rId2"/>
+          <a:blip r:embed="rId3"/>
           <a:stretch>
             <a:fillRect/>
           </a:stretch>
@@ -15395,7 +15860,7 @@
           <p:nvPr/>
         </p:nvPicPr>
         <p:blipFill>
-          <a:blip r:embed="rId3"/>
+          <a:blip r:embed="rId4"/>
           <a:stretch>
             <a:fillRect/>
           </a:stretch>
@@ -15532,7 +15997,7 @@
           <p:nvPr/>
         </p:nvPicPr>
         <p:blipFill>
-          <a:blip r:embed="rId2"/>
+          <a:blip r:embed="rId3"/>
           <a:stretch>
             <a:fillRect/>
           </a:stretch>
@@ -15592,7 +16057,7 @@
           <p:nvPr/>
         </p:nvPicPr>
         <p:blipFill>
-          <a:blip r:embed="rId3"/>
+          <a:blip r:embed="rId4"/>
           <a:stretch>
             <a:fillRect/>
           </a:stretch>

--- a/03-configuration.pptx
+++ b/03-configuration.pptx
@@ -258,7 +258,7 @@
               <a:rPr lang="en-US" smtClean="0">
                 <a:latin typeface="Segoe UI" pitchFamily="34" charset="0"/>
               </a:rPr>
-              <a:t>3/10/20 12:12 PM</a:t>
+              <a:t>8/30/2020 6:40 PM</a:t>
             </a:fld>
             <a:endParaRPr lang="en-US" dirty="0">
               <a:latin typeface="Segoe UI" pitchFamily="34" charset="0"/>
@@ -555,7 +555,7 @@
           <a:p>
             <a:fld id="{D18B56EA-E28F-4F92-9F16-7A6F2501B303}" type="datetime8">
               <a:rPr lang="en-US" smtClean="0"/>
-              <a:t>3/10/20 12:12 PM</a:t>
+              <a:t>8/30/2020 6:40 PM</a:t>
             </a:fld>
             <a:endParaRPr lang="en-US" dirty="0"/>
           </a:p>
@@ -938,7 +938,7 @@
           <a:p>
             <a:fld id="{D18B56EA-E28F-4F92-9F16-7A6F2501B303}" type="datetime8">
               <a:rPr lang="en-US" smtClean="0"/>
-              <a:t>3/10/20 12:12 PM</a:t>
+              <a:t>8/30/2020 6:40 PM</a:t>
             </a:fld>
             <a:endParaRPr lang="en-US" dirty="0"/>
           </a:p>
@@ -1125,7 +1125,7 @@
           <a:p>
             <a:fld id="{D18B56EA-E28F-4F92-9F16-7A6F2501B303}" type="datetime8">
               <a:rPr lang="en-US" smtClean="0"/>
-              <a:t>3/10/20 12:17 PM</a:t>
+              <a:t>8/30/2020 6:40 PM</a:t>
             </a:fld>
             <a:endParaRPr lang="en-US" dirty="0"/>
           </a:p>
@@ -1511,7 +1511,7 @@
           <a:p>
             <a:fld id="{D18B56EA-E28F-4F92-9F16-7A6F2501B303}" type="datetime8">
               <a:rPr lang="en-US" smtClean="0"/>
-              <a:t>3/10/20 12:30 PM</a:t>
+              <a:t>8/30/2020 6:40 PM</a:t>
             </a:fld>
             <a:endParaRPr lang="en-US" dirty="0"/>
           </a:p>
@@ -1746,7 +1746,7 @@
           <a:p>
             <a:fld id="{D18B56EA-E28F-4F92-9F16-7A6F2501B303}" type="datetime8">
               <a:rPr lang="en-US" smtClean="0"/>
-              <a:t>3/10/20 12:35 PM</a:t>
+              <a:t>8/30/2020 6:40 PM</a:t>
             </a:fld>
             <a:endParaRPr lang="en-US" dirty="0"/>
           </a:p>
@@ -1927,7 +1927,7 @@
           <a:p>
             <a:fld id="{D18B56EA-E28F-4F92-9F16-7A6F2501B303}" type="datetime8">
               <a:rPr lang="en-US" smtClean="0"/>
-              <a:t>3/10/20 12:12 PM</a:t>
+              <a:t>8/30/2020 6:40 PM</a:t>
             </a:fld>
             <a:endParaRPr lang="en-US" dirty="0"/>
           </a:p>
@@ -2108,7 +2108,7 @@
           <a:p>
             <a:fld id="{D18B56EA-E28F-4F92-9F16-7A6F2501B303}" type="datetime8">
               <a:rPr lang="en-US" smtClean="0"/>
-              <a:t>3/10/20 12:12 PM</a:t>
+              <a:t>8/30/2020 6:40 PM</a:t>
             </a:fld>
             <a:endParaRPr lang="en-US" dirty="0"/>
           </a:p>
@@ -2289,7 +2289,7 @@
           <a:p>
             <a:fld id="{D18B56EA-E28F-4F92-9F16-7A6F2501B303}" type="datetime8">
               <a:rPr lang="en-US" smtClean="0"/>
-              <a:t>3/10/20 12:12 PM</a:t>
+              <a:t>8/30/2020 6:40 PM</a:t>
             </a:fld>
             <a:endParaRPr lang="en-US" dirty="0"/>
           </a:p>
@@ -2470,7 +2470,7 @@
           <a:p>
             <a:fld id="{D18B56EA-E28F-4F92-9F16-7A6F2501B303}" type="datetime8">
               <a:rPr lang="en-US" smtClean="0"/>
-              <a:t>3/10/20 12:12 PM</a:t>
+              <a:t>8/30/2020 6:40 PM</a:t>
             </a:fld>
             <a:endParaRPr lang="en-US" dirty="0"/>
           </a:p>
@@ -15636,10 +15636,10 @@
       </p:sp>
       <p:pic>
         <p:nvPicPr>
-          <p:cNvPr id="5" name="Picture 4" descr="A screenshot of a cell phone&#10;&#10;Description automatically generated">
+          <p:cNvPr id="6" name="Picture 5" descr="A screenshot of a social media post&#10;&#10;Description automatically generated">
             <a:extLst>
               <a:ext uri="{FF2B5EF4-FFF2-40B4-BE49-F238E27FC236}">
-                <a16:creationId xmlns:a16="http://schemas.microsoft.com/office/drawing/2014/main" id="{D2C0A858-1A7F-614B-957D-96FB713C666E}"/>
+                <a16:creationId xmlns:a16="http://schemas.microsoft.com/office/drawing/2014/main" id="{610B08C2-9973-43F1-9543-124AC05ADD15}"/>
               </a:ext>
             </a:extLst>
           </p:cNvPr>
@@ -15656,42 +15656,12 @@
         </p:blipFill>
         <p:spPr>
           <a:xfrm>
-            <a:off x="2408237" y="2985382"/>
-            <a:ext cx="7620000" cy="3924300"/>
+            <a:off x="2304173" y="3140162"/>
+            <a:ext cx="7894454" cy="3462480"/>
           </a:xfrm>
           <a:prstGeom prst="rect">
             <a:avLst/>
           </a:prstGeom>
-          <a:solidFill>
-            <a:srgbClr val="FFFFFF">
-              <a:shade val="85000"/>
-            </a:srgbClr>
-          </a:solidFill>
-          <a:ln w="88900" cap="sq">
-            <a:solidFill>
-              <a:srgbClr val="FFFFFF"/>
-            </a:solidFill>
-            <a:miter lim="800000"/>
-          </a:ln>
-          <a:effectLst>
-            <a:outerShdw blurRad="55000" dist="18000" dir="5400000" algn="tl" rotWithShape="0">
-              <a:srgbClr val="000000">
-                <a:alpha val="40000"/>
-              </a:srgbClr>
-            </a:outerShdw>
-          </a:effectLst>
-          <a:scene3d>
-            <a:camera prst="orthographicFront"/>
-            <a:lightRig rig="twoPt" dir="t">
-              <a:rot lat="0" lon="0" rev="7200000"/>
-            </a:lightRig>
-          </a:scene3d>
-          <a:sp3d>
-            <a:bevelT w="25400" h="19050"/>
-            <a:contourClr>
-              <a:srgbClr val="FFFFFF"/>
-            </a:contourClr>
-          </a:sp3d>
         </p:spPr>
       </p:pic>
     </p:spTree>
@@ -15817,10 +15787,10 @@
       </p:sp>
       <p:pic>
         <p:nvPicPr>
-          <p:cNvPr id="5" name="Picture 4" descr="A screenshot of a cell phone&#10;&#10;Description automatically generated">
+          <p:cNvPr id="6" name="Picture 5" descr="A screenshot of a cell phone&#10;&#10;Description automatically generated">
             <a:extLst>
               <a:ext uri="{FF2B5EF4-FFF2-40B4-BE49-F238E27FC236}">
-                <a16:creationId xmlns:a16="http://schemas.microsoft.com/office/drawing/2014/main" id="{A30AE82C-E3E2-BF4F-843A-1CB3529893B7}"/>
+                <a16:creationId xmlns:a16="http://schemas.microsoft.com/office/drawing/2014/main" id="{DE29484A-8B10-4EC3-88FB-87AD647A782E}"/>
               </a:ext>
             </a:extLst>
           </p:cNvPr>
@@ -15837,8 +15807,8 @@
         </p:blipFill>
         <p:spPr>
           <a:xfrm>
-            <a:off x="886118" y="2866876"/>
-            <a:ext cx="3434367" cy="1717184"/>
+            <a:off x="3748986" y="2660030"/>
+            <a:ext cx="4488600" cy="1585236"/>
           </a:xfrm>
           <a:prstGeom prst="rect">
             <a:avLst/>
@@ -15847,10 +15817,10 @@
       </p:pic>
       <p:pic>
         <p:nvPicPr>
-          <p:cNvPr id="7" name="Picture 6" descr="A screenshot of a cell phone&#10;&#10;Description automatically generated">
+          <p:cNvPr id="9" name="Picture 8" descr="A screenshot of a social media post&#10;&#10;Description automatically generated">
             <a:extLst>
               <a:ext uri="{FF2B5EF4-FFF2-40B4-BE49-F238E27FC236}">
-                <a16:creationId xmlns:a16="http://schemas.microsoft.com/office/drawing/2014/main" id="{FA3375FD-6A16-624D-8E73-3CCFEA6F7D63}"/>
+                <a16:creationId xmlns:a16="http://schemas.microsoft.com/office/drawing/2014/main" id="{50261A85-E0D4-4457-8A30-06E5BB82A1A3}"/>
               </a:ext>
             </a:extLst>
           </p:cNvPr>
@@ -15867,8 +15837,8 @@
         </p:blipFill>
         <p:spPr>
           <a:xfrm>
-            <a:off x="4418400" y="3497262"/>
-            <a:ext cx="7620000" cy="3149600"/>
+            <a:off x="2549363" y="4436718"/>
+            <a:ext cx="7337747" cy="2310150"/>
           </a:xfrm>
           <a:prstGeom prst="rect">
             <a:avLst/>
@@ -16044,10 +16014,10 @@
       </p:pic>
       <p:pic>
         <p:nvPicPr>
-          <p:cNvPr id="6" name="Picture 5" descr="A screenshot of a cell phone&#10;&#10;Description automatically generated">
+          <p:cNvPr id="7" name="Picture 6" descr="A screenshot of a cell phone&#10;&#10;Description automatically generated">
             <a:extLst>
               <a:ext uri="{FF2B5EF4-FFF2-40B4-BE49-F238E27FC236}">
-                <a16:creationId xmlns:a16="http://schemas.microsoft.com/office/drawing/2014/main" id="{B448552F-7C44-D34A-A3C8-95D5DF5941A9}"/>
+                <a16:creationId xmlns:a16="http://schemas.microsoft.com/office/drawing/2014/main" id="{4133ED41-E1A0-4024-B0B1-173E8220B9B9}"/>
               </a:ext>
             </a:extLst>
           </p:cNvPr>
@@ -16064,42 +16034,12 @@
         </p:blipFill>
         <p:spPr>
           <a:xfrm>
-            <a:off x="5811117" y="3986025"/>
-            <a:ext cx="5829300" cy="2374900"/>
+            <a:off x="5909388" y="2205298"/>
+            <a:ext cx="5944115" cy="2385267"/>
           </a:xfrm>
           <a:prstGeom prst="rect">
             <a:avLst/>
           </a:prstGeom>
-          <a:solidFill>
-            <a:srgbClr val="FFFFFF">
-              <a:shade val="85000"/>
-            </a:srgbClr>
-          </a:solidFill>
-          <a:ln w="88900" cap="sq">
-            <a:solidFill>
-              <a:srgbClr val="FFFFFF"/>
-            </a:solidFill>
-            <a:miter lim="800000"/>
-          </a:ln>
-          <a:effectLst>
-            <a:outerShdw blurRad="55000" dist="18000" dir="5400000" algn="tl" rotWithShape="0">
-              <a:srgbClr val="000000">
-                <a:alpha val="40000"/>
-              </a:srgbClr>
-            </a:outerShdw>
-          </a:effectLst>
-          <a:scene3d>
-            <a:camera prst="orthographicFront"/>
-            <a:lightRig rig="twoPt" dir="t">
-              <a:rot lat="0" lon="0" rev="7200000"/>
-            </a:lightRig>
-          </a:scene3d>
-          <a:sp3d>
-            <a:bevelT w="25400" h="19050"/>
-            <a:contourClr>
-              <a:srgbClr val="FFFFFF"/>
-            </a:contourClr>
-          </a:sp3d>
         </p:spPr>
       </p:pic>
     </p:spTree>

--- a/03-configuration.pptx
+++ b/03-configuration.pptx
@@ -258,7 +258,7 @@
               <a:rPr lang="en-US" smtClean="0">
                 <a:latin typeface="Segoe UI" pitchFamily="34" charset="0"/>
               </a:rPr>
-              <a:t>8/30/2020 6:40 PM</a:t>
+              <a:t>3/7/2022 9:20 AM</a:t>
             </a:fld>
             <a:endParaRPr lang="en-US" dirty="0">
               <a:latin typeface="Segoe UI" pitchFamily="34" charset="0"/>
@@ -555,7 +555,7 @@
           <a:p>
             <a:fld id="{D18B56EA-E28F-4F92-9F16-7A6F2501B303}" type="datetime8">
               <a:rPr lang="en-US" smtClean="0"/>
-              <a:t>8/30/2020 6:40 PM</a:t>
+              <a:t>3/7/2022 9:19 AM</a:t>
             </a:fld>
             <a:endParaRPr lang="en-US" dirty="0"/>
           </a:p>
@@ -938,7 +938,7 @@
           <a:p>
             <a:fld id="{D18B56EA-E28F-4F92-9F16-7A6F2501B303}" type="datetime8">
               <a:rPr lang="en-US" smtClean="0"/>
-              <a:t>8/30/2020 6:40 PM</a:t>
+              <a:t>3/7/2022 9:19 AM</a:t>
             </a:fld>
             <a:endParaRPr lang="en-US" dirty="0"/>
           </a:p>
@@ -1125,7 +1125,7 @@
           <a:p>
             <a:fld id="{D18B56EA-E28F-4F92-9F16-7A6F2501B303}" type="datetime8">
               <a:rPr lang="en-US" smtClean="0"/>
-              <a:t>8/30/2020 6:40 PM</a:t>
+              <a:t>3/7/2022 9:19 AM</a:t>
             </a:fld>
             <a:endParaRPr lang="en-US" dirty="0"/>
           </a:p>
@@ -1511,7 +1511,7 @@
           <a:p>
             <a:fld id="{D18B56EA-E28F-4F92-9F16-7A6F2501B303}" type="datetime8">
               <a:rPr lang="en-US" smtClean="0"/>
-              <a:t>8/30/2020 6:40 PM</a:t>
+              <a:t>3/7/2022 9:19 AM</a:t>
             </a:fld>
             <a:endParaRPr lang="en-US" dirty="0"/>
           </a:p>
@@ -1746,7 +1746,7 @@
           <a:p>
             <a:fld id="{D18B56EA-E28F-4F92-9F16-7A6F2501B303}" type="datetime8">
               <a:rPr lang="en-US" smtClean="0"/>
-              <a:t>8/30/2020 6:40 PM</a:t>
+              <a:t>3/7/2022 9:19 AM</a:t>
             </a:fld>
             <a:endParaRPr lang="en-US" dirty="0"/>
           </a:p>
@@ -1927,7 +1927,7 @@
           <a:p>
             <a:fld id="{D18B56EA-E28F-4F92-9F16-7A6F2501B303}" type="datetime8">
               <a:rPr lang="en-US" smtClean="0"/>
-              <a:t>8/30/2020 6:40 PM</a:t>
+              <a:t>3/7/2022 9:19 AM</a:t>
             </a:fld>
             <a:endParaRPr lang="en-US" dirty="0"/>
           </a:p>
@@ -2108,7 +2108,7 @@
           <a:p>
             <a:fld id="{D18B56EA-E28F-4F92-9F16-7A6F2501B303}" type="datetime8">
               <a:rPr lang="en-US" smtClean="0"/>
-              <a:t>8/30/2020 6:40 PM</a:t>
+              <a:t>3/7/2022 9:19 AM</a:t>
             </a:fld>
             <a:endParaRPr lang="en-US" dirty="0"/>
           </a:p>
@@ -2289,7 +2289,7 @@
           <a:p>
             <a:fld id="{D18B56EA-E28F-4F92-9F16-7A6F2501B303}" type="datetime8">
               <a:rPr lang="en-US" smtClean="0"/>
-              <a:t>8/30/2020 6:40 PM</a:t>
+              <a:t>3/7/2022 9:19 AM</a:t>
             </a:fld>
             <a:endParaRPr lang="en-US" dirty="0"/>
           </a:p>
@@ -2470,7 +2470,7 @@
           <a:p>
             <a:fld id="{D18B56EA-E28F-4F92-9F16-7A6F2501B303}" type="datetime8">
               <a:rPr lang="en-US" smtClean="0"/>
-              <a:t>8/30/2020 6:40 PM</a:t>
+              <a:t>3/7/2022 9:19 AM</a:t>
             </a:fld>
             <a:endParaRPr lang="en-US" dirty="0"/>
           </a:p>
@@ -15636,10 +15636,10 @@
       </p:sp>
       <p:pic>
         <p:nvPicPr>
-          <p:cNvPr id="6" name="Picture 5" descr="A screenshot of a social media post&#10;&#10;Description automatically generated">
+          <p:cNvPr id="5" name="Picture 4" descr="Graphical user interface, application&#10;&#10;Description automatically generated">
             <a:extLst>
               <a:ext uri="{FF2B5EF4-FFF2-40B4-BE49-F238E27FC236}">
-                <a16:creationId xmlns:a16="http://schemas.microsoft.com/office/drawing/2014/main" id="{610B08C2-9973-43F1-9543-124AC05ADD15}"/>
+                <a16:creationId xmlns:a16="http://schemas.microsoft.com/office/drawing/2014/main" id="{EFBABDE8-9F42-4FBF-A2CA-2BB015C22E18}"/>
               </a:ext>
             </a:extLst>
           </p:cNvPr>
@@ -15656,8 +15656,8 @@
         </p:blipFill>
         <p:spPr>
           <a:xfrm>
-            <a:off x="2304173" y="3140162"/>
-            <a:ext cx="7894454" cy="3462480"/>
+            <a:off x="3339289" y="3140162"/>
+            <a:ext cx="5757896" cy="3505120"/>
           </a:xfrm>
           <a:prstGeom prst="rect">
             <a:avLst/>
@@ -15787,10 +15787,10 @@
       </p:sp>
       <p:pic>
         <p:nvPicPr>
-          <p:cNvPr id="6" name="Picture 5" descr="A screenshot of a cell phone&#10;&#10;Description automatically generated">
+          <p:cNvPr id="11" name="Picture 10" descr="Graphical user interface, application&#10;&#10;Description automatically generated">
             <a:extLst>
               <a:ext uri="{FF2B5EF4-FFF2-40B4-BE49-F238E27FC236}">
-                <a16:creationId xmlns:a16="http://schemas.microsoft.com/office/drawing/2014/main" id="{DE29484A-8B10-4EC3-88FB-87AD647A782E}"/>
+                <a16:creationId xmlns:a16="http://schemas.microsoft.com/office/drawing/2014/main" id="{A5ADC6A1-FB7F-4F7C-BE95-FA181FBF002F}"/>
               </a:ext>
             </a:extLst>
           </p:cNvPr>
@@ -15807,8 +15807,8 @@
         </p:blipFill>
         <p:spPr>
           <a:xfrm>
-            <a:off x="3748986" y="2660030"/>
-            <a:ext cx="4488600" cy="1585236"/>
+            <a:off x="651354" y="2993986"/>
+            <a:ext cx="4524205" cy="2342785"/>
           </a:xfrm>
           <a:prstGeom prst="rect">
             <a:avLst/>
@@ -15817,10 +15817,10 @@
       </p:pic>
       <p:pic>
         <p:nvPicPr>
-          <p:cNvPr id="9" name="Picture 8" descr="A screenshot of a social media post&#10;&#10;Description automatically generated">
+          <p:cNvPr id="13" name="Picture 12" descr="Graphical user interface, application&#10;&#10;Description automatically generated">
             <a:extLst>
               <a:ext uri="{FF2B5EF4-FFF2-40B4-BE49-F238E27FC236}">
-                <a16:creationId xmlns:a16="http://schemas.microsoft.com/office/drawing/2014/main" id="{50261A85-E0D4-4457-8A30-06E5BB82A1A3}"/>
+                <a16:creationId xmlns:a16="http://schemas.microsoft.com/office/drawing/2014/main" id="{0E708FBC-F362-470A-9376-0EE646193D96}"/>
               </a:ext>
             </a:extLst>
           </p:cNvPr>
@@ -15837,8 +15837,8 @@
         </p:blipFill>
         <p:spPr>
           <a:xfrm>
-            <a:off x="2549363" y="4436718"/>
-            <a:ext cx="7337747" cy="2310150"/>
+            <a:off x="5557906" y="2993986"/>
+            <a:ext cx="6227215" cy="2957927"/>
           </a:xfrm>
           <a:prstGeom prst="rect">
             <a:avLst/>
@@ -16014,10 +16014,10 @@
       </p:pic>
       <p:pic>
         <p:nvPicPr>
-          <p:cNvPr id="7" name="Picture 6" descr="A screenshot of a cell phone&#10;&#10;Description automatically generated">
+          <p:cNvPr id="6" name="Picture 5" descr="Graphical user interface, application&#10;&#10;Description automatically generated">
             <a:extLst>
               <a:ext uri="{FF2B5EF4-FFF2-40B4-BE49-F238E27FC236}">
-                <a16:creationId xmlns:a16="http://schemas.microsoft.com/office/drawing/2014/main" id="{4133ED41-E1A0-4024-B0B1-173E8220B9B9}"/>
+                <a16:creationId xmlns:a16="http://schemas.microsoft.com/office/drawing/2014/main" id="{F6A2FD6A-23D8-4DE9-8788-6F31B1E07725}"/>
               </a:ext>
             </a:extLst>
           </p:cNvPr>
@@ -16034,8 +16034,8 @@
         </p:blipFill>
         <p:spPr>
           <a:xfrm>
-            <a:off x="5909388" y="2205298"/>
-            <a:ext cx="5944115" cy="2385267"/>
+            <a:off x="6218237" y="2253765"/>
+            <a:ext cx="5766099" cy="2678446"/>
           </a:xfrm>
           <a:prstGeom prst="rect">
             <a:avLst/>

--- a/03-configuration.pptx
+++ b/03-configuration.pptx
@@ -258,7 +258,7 @@
               <a:rPr lang="en-US" smtClean="0">
                 <a:latin typeface="Segoe UI" pitchFamily="34" charset="0"/>
               </a:rPr>
-              <a:t>3/7/2022 9:20 AM</a:t>
+              <a:t>4/25/2022 3:38 PM</a:t>
             </a:fld>
             <a:endParaRPr lang="en-US" dirty="0">
               <a:latin typeface="Segoe UI" pitchFamily="34" charset="0"/>
@@ -555,7 +555,7 @@
           <a:p>
             <a:fld id="{D18B56EA-E28F-4F92-9F16-7A6F2501B303}" type="datetime8">
               <a:rPr lang="en-US" smtClean="0"/>
-              <a:t>3/7/2022 9:19 AM</a:t>
+              <a:t>4/25/2022 3:38 PM</a:t>
             </a:fld>
             <a:endParaRPr lang="en-US" dirty="0"/>
           </a:p>
@@ -938,7 +938,7 @@
           <a:p>
             <a:fld id="{D18B56EA-E28F-4F92-9F16-7A6F2501B303}" type="datetime8">
               <a:rPr lang="en-US" smtClean="0"/>
-              <a:t>3/7/2022 9:19 AM</a:t>
+              <a:t>4/25/2022 3:38 PM</a:t>
             </a:fld>
             <a:endParaRPr lang="en-US" dirty="0"/>
           </a:p>
@@ -1125,7 +1125,7 @@
           <a:p>
             <a:fld id="{D18B56EA-E28F-4F92-9F16-7A6F2501B303}" type="datetime8">
               <a:rPr lang="en-US" smtClean="0"/>
-              <a:t>3/7/2022 9:19 AM</a:t>
+              <a:t>4/25/2022 3:38 PM</a:t>
             </a:fld>
             <a:endParaRPr lang="en-US" dirty="0"/>
           </a:p>
@@ -1511,7 +1511,7 @@
           <a:p>
             <a:fld id="{D18B56EA-E28F-4F92-9F16-7A6F2501B303}" type="datetime8">
               <a:rPr lang="en-US" smtClean="0"/>
-              <a:t>3/7/2022 9:19 AM</a:t>
+              <a:t>4/25/2022 3:38 PM</a:t>
             </a:fld>
             <a:endParaRPr lang="en-US" dirty="0"/>
           </a:p>
@@ -1746,7 +1746,7 @@
           <a:p>
             <a:fld id="{D18B56EA-E28F-4F92-9F16-7A6F2501B303}" type="datetime8">
               <a:rPr lang="en-US" smtClean="0"/>
-              <a:t>3/7/2022 9:19 AM</a:t>
+              <a:t>4/25/2022 3:38 PM</a:t>
             </a:fld>
             <a:endParaRPr lang="en-US" dirty="0"/>
           </a:p>
@@ -1927,7 +1927,7 @@
           <a:p>
             <a:fld id="{D18B56EA-E28F-4F92-9F16-7A6F2501B303}" type="datetime8">
               <a:rPr lang="en-US" smtClean="0"/>
-              <a:t>3/7/2022 9:19 AM</a:t>
+              <a:t>4/25/2022 3:38 PM</a:t>
             </a:fld>
             <a:endParaRPr lang="en-US" dirty="0"/>
           </a:p>
@@ -2108,7 +2108,7 @@
           <a:p>
             <a:fld id="{D18B56EA-E28F-4F92-9F16-7A6F2501B303}" type="datetime8">
               <a:rPr lang="en-US" smtClean="0"/>
-              <a:t>3/7/2022 9:19 AM</a:t>
+              <a:t>4/25/2022 3:38 PM</a:t>
             </a:fld>
             <a:endParaRPr lang="en-US" dirty="0"/>
           </a:p>
@@ -2289,7 +2289,7 @@
           <a:p>
             <a:fld id="{D18B56EA-E28F-4F92-9F16-7A6F2501B303}" type="datetime8">
               <a:rPr lang="en-US" smtClean="0"/>
-              <a:t>3/7/2022 9:19 AM</a:t>
+              <a:t>4/25/2022 3:38 PM</a:t>
             </a:fld>
             <a:endParaRPr lang="en-US" dirty="0"/>
           </a:p>
@@ -2470,7 +2470,7 @@
           <a:p>
             <a:fld id="{D18B56EA-E28F-4F92-9F16-7A6F2501B303}" type="datetime8">
               <a:rPr lang="en-US" smtClean="0"/>
-              <a:t>3/7/2022 9:19 AM</a:t>
+              <a:t>4/25/2022 3:38 PM</a:t>
             </a:fld>
             <a:endParaRPr lang="en-US" dirty="0"/>
           </a:p>
@@ -15561,85 +15561,12 @@
           <a:chExt cx="0" cy="0"/>
         </a:xfrm>
       </p:grpSpPr>
-      <p:sp>
-        <p:nvSpPr>
-          <p:cNvPr id="4" name="Text Placeholder 3"/>
-          <p:cNvSpPr>
-            <a:spLocks noGrp="1"/>
-          </p:cNvSpPr>
-          <p:nvPr>
-            <p:ph type="body" sz="quarter" idx="10"/>
-          </p:nvPr>
-        </p:nvSpPr>
-        <p:spPr>
-          <a:xfrm>
-            <a:off x="464400" y="1212850"/>
-            <a:ext cx="11574000" cy="1735860"/>
-          </a:xfrm>
-        </p:spPr>
-        <p:txBody>
-          <a:bodyPr/>
-          <a:lstStyle/>
-          <a:p>
-            <a:r>
-              <a:rPr lang="en-US" dirty="0"/>
-              <a:t>SharePoint Framework web parts have public properties</a:t>
-            </a:r>
-          </a:p>
-          <a:p>
-            <a:r>
-              <a:rPr lang="en-US" dirty="0"/>
-              <a:t>Public properties can be made editable via the property pane</a:t>
-            </a:r>
-          </a:p>
-          <a:p>
-            <a:r>
-              <a:rPr lang="en-US" dirty="0"/>
-              <a:t>SharePoint page must be in edit mode to edit properties</a:t>
-            </a:r>
-          </a:p>
-          <a:p>
-            <a:r>
-              <a:rPr lang="en-US" dirty="0"/>
-              <a:t>User must have edit rights to the page to access the property pane</a:t>
-            </a:r>
-          </a:p>
-        </p:txBody>
-      </p:sp>
-      <p:sp>
-        <p:nvSpPr>
-          <p:cNvPr id="2" name="Title 1"/>
-          <p:cNvSpPr>
-            <a:spLocks noGrp="1"/>
-          </p:cNvSpPr>
-          <p:nvPr>
-            <p:ph type="title"/>
-          </p:nvPr>
-        </p:nvSpPr>
-        <p:spPr>
-          <a:xfrm>
-            <a:off x="464400" y="633600"/>
-            <a:ext cx="11574000" cy="387798"/>
-          </a:xfrm>
-        </p:spPr>
-        <p:txBody>
-          <a:bodyPr/>
-          <a:lstStyle/>
-          <a:p>
-            <a:r>
-              <a:rPr lang="en-US" dirty="0"/>
-              <a:t>Custom Microsoft Teams Tab Configuration Options</a:t>
-            </a:r>
-            <a:endParaRPr lang="fi-FI" dirty="0"/>
-          </a:p>
-        </p:txBody>
-      </p:sp>
       <p:pic>
         <p:nvPicPr>
-          <p:cNvPr id="5" name="Picture 4" descr="Graphical user interface, application&#10;&#10;Description automatically generated">
+          <p:cNvPr id="6" name="Picture 5" descr="Graphical user interface, text, application&#10;&#10;Description automatically generated">
             <a:extLst>
               <a:ext uri="{FF2B5EF4-FFF2-40B4-BE49-F238E27FC236}">
-                <a16:creationId xmlns:a16="http://schemas.microsoft.com/office/drawing/2014/main" id="{EFBABDE8-9F42-4FBF-A2CA-2BB015C22E18}"/>
+                <a16:creationId xmlns:a16="http://schemas.microsoft.com/office/drawing/2014/main" id="{24F8E698-03E1-4BAF-A3D9-69F0DBAD2CE2}"/>
               </a:ext>
             </a:extLst>
           </p:cNvPr>
@@ -15656,14 +15583,87 @@
         </p:blipFill>
         <p:spPr>
           <a:xfrm>
-            <a:off x="3339289" y="3140162"/>
-            <a:ext cx="5757896" cy="3505120"/>
+            <a:off x="3245800" y="3152670"/>
+            <a:ext cx="5944873" cy="3492612"/>
           </a:xfrm>
           <a:prstGeom prst="rect">
             <a:avLst/>
           </a:prstGeom>
         </p:spPr>
       </p:pic>
+      <p:sp>
+        <p:nvSpPr>
+          <p:cNvPr id="4" name="Text Placeholder 3"/>
+          <p:cNvSpPr>
+            <a:spLocks noGrp="1"/>
+          </p:cNvSpPr>
+          <p:nvPr>
+            <p:ph type="body" sz="quarter" idx="10"/>
+          </p:nvPr>
+        </p:nvSpPr>
+        <p:spPr>
+          <a:xfrm>
+            <a:off x="464400" y="1212850"/>
+            <a:ext cx="11574000" cy="1735860"/>
+          </a:xfrm>
+        </p:spPr>
+        <p:txBody>
+          <a:bodyPr/>
+          <a:lstStyle/>
+          <a:p>
+            <a:r>
+              <a:rPr lang="en-US" dirty="0"/>
+              <a:t>SharePoint Framework web parts have public properties</a:t>
+            </a:r>
+          </a:p>
+          <a:p>
+            <a:r>
+              <a:rPr lang="en-US" dirty="0"/>
+              <a:t>Public properties can be made editable via the property pane</a:t>
+            </a:r>
+          </a:p>
+          <a:p>
+            <a:r>
+              <a:rPr lang="en-US" dirty="0"/>
+              <a:t>SharePoint page must be in edit mode to edit properties</a:t>
+            </a:r>
+          </a:p>
+          <a:p>
+            <a:r>
+              <a:rPr lang="en-US" dirty="0"/>
+              <a:t>User must have edit rights to the page to access the property pane</a:t>
+            </a:r>
+          </a:p>
+        </p:txBody>
+      </p:sp>
+      <p:sp>
+        <p:nvSpPr>
+          <p:cNvPr id="2" name="Title 1"/>
+          <p:cNvSpPr>
+            <a:spLocks noGrp="1"/>
+          </p:cNvSpPr>
+          <p:nvPr>
+            <p:ph type="title"/>
+          </p:nvPr>
+        </p:nvSpPr>
+        <p:spPr>
+          <a:xfrm>
+            <a:off x="464400" y="633600"/>
+            <a:ext cx="11574000" cy="387798"/>
+          </a:xfrm>
+        </p:spPr>
+        <p:txBody>
+          <a:bodyPr/>
+          <a:lstStyle/>
+          <a:p>
+            <a:r>
+              <a:rPr lang="en-US" dirty="0"/>
+              <a:t>Custom Microsoft Teams Tab Configuration Options</a:t>
+            </a:r>
+            <a:endParaRPr lang="fi-FI" dirty="0"/>
+          </a:p>
+        </p:txBody>
+      </p:sp>
     </p:spTree>
     <p:extLst>
       <p:ext uri="{BB962C8B-B14F-4D97-AF65-F5344CB8AC3E}">
@@ -15697,100 +15697,12 @@
           <a:chExt cx="0" cy="0"/>
         </a:xfrm>
       </p:grpSpPr>
-      <p:sp>
-        <p:nvSpPr>
-          <p:cNvPr id="2" name="Text Placeholder 1">
+      <p:pic>
+        <p:nvPicPr>
+          <p:cNvPr id="9" name="Picture 8" descr="Graphical user interface, text, application&#10;&#10;Description automatically generated">
             <a:extLst>
               <a:ext uri="{FF2B5EF4-FFF2-40B4-BE49-F238E27FC236}">
-                <a16:creationId xmlns:a16="http://schemas.microsoft.com/office/drawing/2014/main" id="{12E5AA1F-8BFD-B94E-B168-FE28B00589BB}"/>
-              </a:ext>
-            </a:extLst>
-          </p:cNvPr>
-          <p:cNvSpPr>
-            <a:spLocks noGrp="1"/>
-          </p:cNvSpPr>
-          <p:nvPr>
-            <p:ph type="body" sz="quarter" idx="10"/>
-          </p:nvPr>
-        </p:nvSpPr>
-        <p:spPr>
-          <a:xfrm>
-            <a:off x="464400" y="1212850"/>
-            <a:ext cx="11574000" cy="1255728"/>
-          </a:xfrm>
-        </p:spPr>
-        <p:txBody>
-          <a:bodyPr/>
-          <a:lstStyle/>
-          <a:p>
-            <a:r>
-              <a:rPr lang="en-US" dirty="0"/>
-              <a:t>Web Part property pane displayed when </a:t>
-            </a:r>
-            <a:r>
-              <a:rPr lang="en-US" dirty="0" err="1"/>
-              <a:t>SPFx</a:t>
-            </a:r>
-            <a:r>
-              <a:rPr lang="en-US" dirty="0"/>
-              <a:t> web part installed as a tab in a Microsoft Teams team</a:t>
-            </a:r>
-          </a:p>
-          <a:p>
-            <a:r>
-              <a:rPr lang="en-US" dirty="0"/>
-              <a:t>Accessible via the tab context menu </a:t>
-            </a:r>
-            <a:r>
-              <a:rPr lang="en-US" b="1" dirty="0"/>
-              <a:t>Settings</a:t>
-            </a:r>
-            <a:r>
-              <a:rPr lang="en-US" dirty="0"/>
-              <a:t> option</a:t>
-            </a:r>
-          </a:p>
-        </p:txBody>
-      </p:sp>
-      <p:sp>
-        <p:nvSpPr>
-          <p:cNvPr id="3" name="Title 2">
-            <a:extLst>
-              <a:ext uri="{FF2B5EF4-FFF2-40B4-BE49-F238E27FC236}">
-                <a16:creationId xmlns:a16="http://schemas.microsoft.com/office/drawing/2014/main" id="{89A747BA-D0E3-1545-8E4A-232F57C4817F}"/>
-              </a:ext>
-            </a:extLst>
-          </p:cNvPr>
-          <p:cNvSpPr>
-            <a:spLocks noGrp="1"/>
-          </p:cNvSpPr>
-          <p:nvPr>
-            <p:ph type="title"/>
-          </p:nvPr>
-        </p:nvSpPr>
-        <p:spPr>
-          <a:xfrm>
-            <a:off x="464400" y="633600"/>
-            <a:ext cx="11574000" cy="387798"/>
-          </a:xfrm>
-        </p:spPr>
-        <p:txBody>
-          <a:bodyPr/>
-          <a:lstStyle/>
-          <a:p>
-            <a:r>
-              <a:rPr lang="en-US" dirty="0"/>
-              <a:t>Property Pane Exposed in Microsoft Teams</a:t>
-            </a:r>
-          </a:p>
-        </p:txBody>
-      </p:sp>
-      <p:pic>
-        <p:nvPicPr>
-          <p:cNvPr id="11" name="Picture 10" descr="Graphical user interface, application&#10;&#10;Description automatically generated">
-            <a:extLst>
-              <a:ext uri="{FF2B5EF4-FFF2-40B4-BE49-F238E27FC236}">
-                <a16:creationId xmlns:a16="http://schemas.microsoft.com/office/drawing/2014/main" id="{A5ADC6A1-FB7F-4F7C-BE95-FA181FBF002F}"/>
+                <a16:creationId xmlns:a16="http://schemas.microsoft.com/office/drawing/2014/main" id="{9E134A34-0545-4C41-AB8A-085DDE286626}"/>
               </a:ext>
             </a:extLst>
           </p:cNvPr>
@@ -15807,8 +15719,8 @@
         </p:blipFill>
         <p:spPr>
           <a:xfrm>
-            <a:off x="651354" y="2993986"/>
-            <a:ext cx="4524205" cy="2342785"/>
+            <a:off x="5557905" y="2805516"/>
+            <a:ext cx="6227215" cy="3798601"/>
           </a:xfrm>
           <a:prstGeom prst="rect">
             <a:avLst/>
@@ -15817,10 +15729,10 @@
       </p:pic>
       <p:pic>
         <p:nvPicPr>
-          <p:cNvPr id="13" name="Picture 12" descr="Graphical user interface, application&#10;&#10;Description automatically generated">
+          <p:cNvPr id="7" name="Picture 6" descr="Graphical user interface, text, application, email&#10;&#10;Description automatically generated">
             <a:extLst>
               <a:ext uri="{FF2B5EF4-FFF2-40B4-BE49-F238E27FC236}">
-                <a16:creationId xmlns:a16="http://schemas.microsoft.com/office/drawing/2014/main" id="{0E708FBC-F362-470A-9376-0EE646193D96}"/>
+                <a16:creationId xmlns:a16="http://schemas.microsoft.com/office/drawing/2014/main" id="{99864EA8-2C9F-403F-A788-D4B01BB24E35}"/>
               </a:ext>
             </a:extLst>
           </p:cNvPr>
@@ -15837,14 +15749,102 @@
         </p:blipFill>
         <p:spPr>
           <a:xfrm>
-            <a:off x="5557906" y="2993986"/>
-            <a:ext cx="6227215" cy="2957927"/>
+            <a:off x="651354" y="2829370"/>
+            <a:ext cx="4524205" cy="3393154"/>
           </a:xfrm>
           <a:prstGeom prst="rect">
             <a:avLst/>
           </a:prstGeom>
         </p:spPr>
       </p:pic>
+      <p:sp>
+        <p:nvSpPr>
+          <p:cNvPr id="2" name="Text Placeholder 1">
+            <a:extLst>
+              <a:ext uri="{FF2B5EF4-FFF2-40B4-BE49-F238E27FC236}">
+                <a16:creationId xmlns:a16="http://schemas.microsoft.com/office/drawing/2014/main" id="{12E5AA1F-8BFD-B94E-B168-FE28B00589BB}"/>
+              </a:ext>
+            </a:extLst>
+          </p:cNvPr>
+          <p:cNvSpPr>
+            <a:spLocks noGrp="1"/>
+          </p:cNvSpPr>
+          <p:nvPr>
+            <p:ph type="body" sz="quarter" idx="10"/>
+          </p:nvPr>
+        </p:nvSpPr>
+        <p:spPr>
+          <a:xfrm>
+            <a:off x="464400" y="1212850"/>
+            <a:ext cx="11574000" cy="1255728"/>
+          </a:xfrm>
+        </p:spPr>
+        <p:txBody>
+          <a:bodyPr/>
+          <a:lstStyle/>
+          <a:p>
+            <a:r>
+              <a:rPr lang="en-US" dirty="0"/>
+              <a:t>Web Part property pane displayed when </a:t>
+            </a:r>
+            <a:r>
+              <a:rPr lang="en-US" dirty="0" err="1"/>
+              <a:t>SPFx</a:t>
+            </a:r>
+            <a:r>
+              <a:rPr lang="en-US" dirty="0"/>
+              <a:t> web part installed as a tab in a Microsoft Teams team</a:t>
+            </a:r>
+          </a:p>
+          <a:p>
+            <a:r>
+              <a:rPr lang="en-US" dirty="0"/>
+              <a:t>Accessible via the tab context menu </a:t>
+            </a:r>
+            <a:r>
+              <a:rPr lang="en-US" b="1" dirty="0"/>
+              <a:t>Settings</a:t>
+            </a:r>
+            <a:r>
+              <a:rPr lang="en-US" dirty="0"/>
+              <a:t> option</a:t>
+            </a:r>
+          </a:p>
+        </p:txBody>
+      </p:sp>
+      <p:sp>
+        <p:nvSpPr>
+          <p:cNvPr id="3" name="Title 2">
+            <a:extLst>
+              <a:ext uri="{FF2B5EF4-FFF2-40B4-BE49-F238E27FC236}">
+                <a16:creationId xmlns:a16="http://schemas.microsoft.com/office/drawing/2014/main" id="{89A747BA-D0E3-1545-8E4A-232F57C4817F}"/>
+              </a:ext>
+            </a:extLst>
+          </p:cNvPr>
+          <p:cNvSpPr>
+            <a:spLocks noGrp="1"/>
+          </p:cNvSpPr>
+          <p:nvPr>
+            <p:ph type="title"/>
+          </p:nvPr>
+        </p:nvSpPr>
+        <p:spPr>
+          <a:xfrm>
+            <a:off x="464400" y="633600"/>
+            <a:ext cx="11574000" cy="387798"/>
+          </a:xfrm>
+        </p:spPr>
+        <p:txBody>
+          <a:bodyPr/>
+          <a:lstStyle/>
+          <a:p>
+            <a:r>
+              <a:rPr lang="en-US" dirty="0"/>
+              <a:t>Property Pane Exposed in Microsoft Teams</a:t>
+            </a:r>
+          </a:p>
+        </p:txBody>
+      </p:sp>
     </p:spTree>
     <p:extLst>
       <p:ext uri="{BB962C8B-B14F-4D97-AF65-F5344CB8AC3E}">
@@ -15878,6 +15878,36 @@
           <a:chExt cx="0" cy="0"/>
         </a:xfrm>
       </p:grpSpPr>
+      <p:pic>
+        <p:nvPicPr>
+          <p:cNvPr id="7" name="Picture 6" descr="Graphical user interface, text, application&#10;&#10;Description automatically generated">
+            <a:extLst>
+              <a:ext uri="{FF2B5EF4-FFF2-40B4-BE49-F238E27FC236}">
+                <a16:creationId xmlns:a16="http://schemas.microsoft.com/office/drawing/2014/main" id="{02AE81BE-5C09-42EA-86AB-5AC3B4C80F4D}"/>
+              </a:ext>
+            </a:extLst>
+          </p:cNvPr>
+          <p:cNvPicPr>
+            <a:picLocks noChangeAspect="1"/>
+          </p:cNvPicPr>
+          <p:nvPr/>
+        </p:nvPicPr>
+        <p:blipFill>
+          <a:blip r:embed="rId3"/>
+          <a:stretch>
+            <a:fillRect/>
+          </a:stretch>
+        </p:blipFill>
+        <p:spPr>
+          <a:xfrm>
+            <a:off x="6251400" y="2253765"/>
+            <a:ext cx="5684546" cy="4107160"/>
+          </a:xfrm>
+          <a:prstGeom prst="rect">
+            <a:avLst/>
+          </a:prstGeom>
+        </p:spPr>
+      </p:pic>
       <p:sp>
         <p:nvSpPr>
           <p:cNvPr id="2" name="Text Placeholder 1">
@@ -15967,7 +15997,7 @@
           <p:nvPr/>
         </p:nvPicPr>
         <p:blipFill>
-          <a:blip r:embed="rId3"/>
+          <a:blip r:embed="rId4"/>
           <a:stretch>
             <a:fillRect/>
           </a:stretch>
@@ -16010,36 +16040,6 @@
               <a:srgbClr val="FFFFFF"/>
             </a:contourClr>
           </a:sp3d>
-        </p:spPr>
-      </p:pic>
-      <p:pic>
-        <p:nvPicPr>
-          <p:cNvPr id="6" name="Picture 5" descr="Graphical user interface, application&#10;&#10;Description automatically generated">
-            <a:extLst>
-              <a:ext uri="{FF2B5EF4-FFF2-40B4-BE49-F238E27FC236}">
-                <a16:creationId xmlns:a16="http://schemas.microsoft.com/office/drawing/2014/main" id="{F6A2FD6A-23D8-4DE9-8788-6F31B1E07725}"/>
-              </a:ext>
-            </a:extLst>
-          </p:cNvPr>
-          <p:cNvPicPr>
-            <a:picLocks noChangeAspect="1"/>
-          </p:cNvPicPr>
-          <p:nvPr/>
-        </p:nvPicPr>
-        <p:blipFill>
-          <a:blip r:embed="rId4"/>
-          <a:stretch>
-            <a:fillRect/>
-          </a:stretch>
-        </p:blipFill>
-        <p:spPr>
-          <a:xfrm>
-            <a:off x="6218237" y="2253765"/>
-            <a:ext cx="5766099" cy="2678446"/>
-          </a:xfrm>
-          <a:prstGeom prst="rect">
-            <a:avLst/>
-          </a:prstGeom>
         </p:spPr>
       </p:pic>
     </p:spTree>

--- a/03-configuration.pptx
+++ b/03-configuration.pptx
@@ -258,7 +258,7 @@
               <a:rPr lang="en-US" smtClean="0">
                 <a:latin typeface="Segoe UI" pitchFamily="34" charset="0"/>
               </a:rPr>
-              <a:t>4/25/2022 3:38 PM</a:t>
+              <a:t>11/20/2022 9:22 AM</a:t>
             </a:fld>
             <a:endParaRPr lang="en-US" dirty="0">
               <a:latin typeface="Segoe UI" pitchFamily="34" charset="0"/>
@@ -555,7 +555,7 @@
           <a:p>
             <a:fld id="{D18B56EA-E28F-4F92-9F16-7A6F2501B303}" type="datetime8">
               <a:rPr lang="en-US" smtClean="0"/>
-              <a:t>4/25/2022 3:38 PM</a:t>
+              <a:t>11/20/2022 9:22 AM</a:t>
             </a:fld>
             <a:endParaRPr lang="en-US" dirty="0"/>
           </a:p>
@@ -938,7 +938,7 @@
           <a:p>
             <a:fld id="{D18B56EA-E28F-4F92-9F16-7A6F2501B303}" type="datetime8">
               <a:rPr lang="en-US" smtClean="0"/>
-              <a:t>4/25/2022 3:38 PM</a:t>
+              <a:t>11/20/2022 9:22 AM</a:t>
             </a:fld>
             <a:endParaRPr lang="en-US" dirty="0"/>
           </a:p>
@@ -1125,7 +1125,7 @@
           <a:p>
             <a:fld id="{D18B56EA-E28F-4F92-9F16-7A6F2501B303}" type="datetime8">
               <a:rPr lang="en-US" smtClean="0"/>
-              <a:t>4/25/2022 3:38 PM</a:t>
+              <a:t>11/20/2022 9:22 AM</a:t>
             </a:fld>
             <a:endParaRPr lang="en-US" dirty="0"/>
           </a:p>
@@ -1511,7 +1511,7 @@
           <a:p>
             <a:fld id="{D18B56EA-E28F-4F92-9F16-7A6F2501B303}" type="datetime8">
               <a:rPr lang="en-US" smtClean="0"/>
-              <a:t>4/25/2022 3:38 PM</a:t>
+              <a:t>11/20/2022 9:22 AM</a:t>
             </a:fld>
             <a:endParaRPr lang="en-US" dirty="0"/>
           </a:p>
@@ -1746,7 +1746,7 @@
           <a:p>
             <a:fld id="{D18B56EA-E28F-4F92-9F16-7A6F2501B303}" type="datetime8">
               <a:rPr lang="en-US" smtClean="0"/>
-              <a:t>4/25/2022 3:38 PM</a:t>
+              <a:t>11/20/2022 9:22 AM</a:t>
             </a:fld>
             <a:endParaRPr lang="en-US" dirty="0"/>
           </a:p>
@@ -1927,7 +1927,7 @@
           <a:p>
             <a:fld id="{D18B56EA-E28F-4F92-9F16-7A6F2501B303}" type="datetime8">
               <a:rPr lang="en-US" smtClean="0"/>
-              <a:t>4/25/2022 3:38 PM</a:t>
+              <a:t>11/20/2022 9:22 AM</a:t>
             </a:fld>
             <a:endParaRPr lang="en-US" dirty="0"/>
           </a:p>
@@ -2108,7 +2108,7 @@
           <a:p>
             <a:fld id="{D18B56EA-E28F-4F92-9F16-7A6F2501B303}" type="datetime8">
               <a:rPr lang="en-US" smtClean="0"/>
-              <a:t>4/25/2022 3:38 PM</a:t>
+              <a:t>11/20/2022 9:22 AM</a:t>
             </a:fld>
             <a:endParaRPr lang="en-US" dirty="0"/>
           </a:p>
@@ -2289,7 +2289,7 @@
           <a:p>
             <a:fld id="{D18B56EA-E28F-4F92-9F16-7A6F2501B303}" type="datetime8">
               <a:rPr lang="en-US" smtClean="0"/>
-              <a:t>4/25/2022 3:38 PM</a:t>
+              <a:t>11/20/2022 9:22 AM</a:t>
             </a:fld>
             <a:endParaRPr lang="en-US" dirty="0"/>
           </a:p>
@@ -2470,7 +2470,7 @@
           <a:p>
             <a:fld id="{D18B56EA-E28F-4F92-9F16-7A6F2501B303}" type="datetime8">
               <a:rPr lang="en-US" smtClean="0"/>
-              <a:t>4/25/2022 3:38 PM</a:t>
+              <a:t>11/20/2022 9:22 AM</a:t>
             </a:fld>
             <a:endParaRPr lang="en-US" dirty="0"/>
           </a:p>
@@ -16756,7 +16756,7 @@
         <p:spPr>
           <a:xfrm>
             <a:off x="465138" y="1930734"/>
-            <a:ext cx="11533187" cy="1661993"/>
+            <a:ext cx="11533187" cy="1692771"/>
           </a:xfrm>
         </p:spPr>
         <p:txBody>
@@ -16803,7 +16803,7 @@
                 <a:latin typeface="+mj-lt"/>
                 <a:hlinkClick r:id="rId3"/>
               </a:rPr>
-              <a:t>https://docs.microsoft.com/sharepoint/dev/spfx/sharepoint-framework-overview</a:t>
+              <a:t>https://learn.microsoft.com/sharepoint/dev/spfx/sharepoint-framework-overview</a:t>
             </a:r>
             <a:endParaRPr lang="en-US" sz="1800" dirty="0">
               <a:latin typeface="+mj-lt"/>
@@ -16854,18 +16854,21 @@
               <a:defRPr/>
             </a:pPr>
             <a:r>
-              <a:rPr lang="en-US" sz="1600" dirty="0">
+              <a:rPr lang="en-US" sz="1800" dirty="0">
                 <a:latin typeface="+mj-lt"/>
                 <a:hlinkClick r:id="rId4"/>
               </a:rPr>
-              <a:t>https://docs.microsoft.com/sharepoint/dev/spfx/integrate-with-teams-introduction</a:t>
-            </a:r>
-            <a:r>
-              <a:rPr lang="en-US" sz="1600" dirty="0">
+              <a:t>https://learn.microsoft.com/sharepoint/dev/spfx/integrate-with-teams-introduction</a:t>
+            </a:r>
+            <a:r>
+              <a:rPr lang="en-US" sz="1800" dirty="0">
                 <a:latin typeface="+mj-lt"/>
               </a:rPr>
               <a:t> </a:t>
             </a:r>
+            <a:endParaRPr lang="en-US" sz="1600" dirty="0">
+              <a:latin typeface="+mj-lt"/>
+            </a:endParaRPr>
           </a:p>
         </p:txBody>
       </p:sp>
